--- a/2024-results/base-runs/SSB results with CR 8-May-2024.pptx
+++ b/2024-results/base-runs/SSB results with CR 8-May-2024.pptx
@@ -21,6 +21,15 @@
     <p:sldId id="271" r:id="rId15"/>
     <p:sldId id="272" r:id="rId16"/>
     <p:sldId id="269" r:id="rId17"/>
+    <p:sldId id="273" r:id="rId18"/>
+    <p:sldId id="274" r:id="rId19"/>
+    <p:sldId id="275" r:id="rId20"/>
+    <p:sldId id="276" r:id="rId21"/>
+    <p:sldId id="277" r:id="rId22"/>
+    <p:sldId id="278" r:id="rId23"/>
+    <p:sldId id="279" r:id="rId24"/>
+    <p:sldId id="280" r:id="rId25"/>
+    <p:sldId id="281" r:id="rId26"/>
   </p:sldIdLst>
   <p:sldSz cx="12192000" cy="6858000"/>
   <p:notesSz cx="6858000" cy="9144000"/>
@@ -119,6 +128,11 @@
       </a:defRPr>
     </a:lvl9pPr>
   </p:defaultTextStyle>
+  <p:extLst>
+    <p:ext uri="{EFAFB233-063F-42B5-8137-9DF3F51BA10A}">
+      <p15:sldGuideLst xmlns:p15="http://schemas.microsoft.com/office/powerpoint/2012/main"/>
+    </p:ext>
+  </p:extLst>
 </p:presentation>
 </file>
 
@@ -269,7 +283,7 @@
           <a:p>
             <a:fld id="{F5952A60-FF17-43C2-A1A3-7DBEB184A4CA}" type="datetimeFigureOut">
               <a:rPr lang="en-US" smtClean="0"/>
-              <a:t>5/8/2024</a:t>
+              <a:t>5/9/2024</a:t>
             </a:fld>
             <a:endParaRPr lang="en-US"/>
           </a:p>
@@ -467,7 +481,7 @@
           <a:p>
             <a:fld id="{F5952A60-FF17-43C2-A1A3-7DBEB184A4CA}" type="datetimeFigureOut">
               <a:rPr lang="en-US" smtClean="0"/>
-              <a:t>5/8/2024</a:t>
+              <a:t>5/9/2024</a:t>
             </a:fld>
             <a:endParaRPr lang="en-US"/>
           </a:p>
@@ -675,7 +689,7 @@
           <a:p>
             <a:fld id="{F5952A60-FF17-43C2-A1A3-7DBEB184A4CA}" type="datetimeFigureOut">
               <a:rPr lang="en-US" smtClean="0"/>
-              <a:t>5/8/2024</a:t>
+              <a:t>5/9/2024</a:t>
             </a:fld>
             <a:endParaRPr lang="en-US"/>
           </a:p>
@@ -873,7 +887,7 @@
           <a:p>
             <a:fld id="{F5952A60-FF17-43C2-A1A3-7DBEB184A4CA}" type="datetimeFigureOut">
               <a:rPr lang="en-US" smtClean="0"/>
-              <a:t>5/8/2024</a:t>
+              <a:t>5/9/2024</a:t>
             </a:fld>
             <a:endParaRPr lang="en-US"/>
           </a:p>
@@ -1148,7 +1162,7 @@
           <a:p>
             <a:fld id="{F5952A60-FF17-43C2-A1A3-7DBEB184A4CA}" type="datetimeFigureOut">
               <a:rPr lang="en-US" smtClean="0"/>
-              <a:t>5/8/2024</a:t>
+              <a:t>5/9/2024</a:t>
             </a:fld>
             <a:endParaRPr lang="en-US"/>
           </a:p>
@@ -1413,7 +1427,7 @@
           <a:p>
             <a:fld id="{F5952A60-FF17-43C2-A1A3-7DBEB184A4CA}" type="datetimeFigureOut">
               <a:rPr lang="en-US" smtClean="0"/>
-              <a:t>5/8/2024</a:t>
+              <a:t>5/9/2024</a:t>
             </a:fld>
             <a:endParaRPr lang="en-US"/>
           </a:p>
@@ -1825,7 +1839,7 @@
           <a:p>
             <a:fld id="{F5952A60-FF17-43C2-A1A3-7DBEB184A4CA}" type="datetimeFigureOut">
               <a:rPr lang="en-US" smtClean="0"/>
-              <a:t>5/8/2024</a:t>
+              <a:t>5/9/2024</a:t>
             </a:fld>
             <a:endParaRPr lang="en-US"/>
           </a:p>
@@ -1966,7 +1980,7 @@
           <a:p>
             <a:fld id="{F5952A60-FF17-43C2-A1A3-7DBEB184A4CA}" type="datetimeFigureOut">
               <a:rPr lang="en-US" smtClean="0"/>
-              <a:t>5/8/2024</a:t>
+              <a:t>5/9/2024</a:t>
             </a:fld>
             <a:endParaRPr lang="en-US"/>
           </a:p>
@@ -2079,7 +2093,7 @@
           <a:p>
             <a:fld id="{F5952A60-FF17-43C2-A1A3-7DBEB184A4CA}" type="datetimeFigureOut">
               <a:rPr lang="en-US" smtClean="0"/>
-              <a:t>5/8/2024</a:t>
+              <a:t>5/9/2024</a:t>
             </a:fld>
             <a:endParaRPr lang="en-US"/>
           </a:p>
@@ -2390,7 +2404,7 @@
           <a:p>
             <a:fld id="{F5952A60-FF17-43C2-A1A3-7DBEB184A4CA}" type="datetimeFigureOut">
               <a:rPr lang="en-US" smtClean="0"/>
-              <a:t>5/8/2024</a:t>
+              <a:t>5/9/2024</a:t>
             </a:fld>
             <a:endParaRPr lang="en-US"/>
           </a:p>
@@ -2678,7 +2692,7 @@
           <a:p>
             <a:fld id="{F5952A60-FF17-43C2-A1A3-7DBEB184A4CA}" type="datetimeFigureOut">
               <a:rPr lang="en-US" smtClean="0"/>
-              <a:t>5/8/2024</a:t>
+              <a:t>5/9/2024</a:t>
             </a:fld>
             <a:endParaRPr lang="en-US"/>
           </a:p>
@@ -2919,7 +2933,7 @@
           <a:p>
             <a:fld id="{F5952A60-FF17-43C2-A1A3-7DBEB184A4CA}" type="datetimeFigureOut">
               <a:rPr lang="en-US" smtClean="0"/>
-              <a:t>5/8/2024</a:t>
+              <a:t>5/9/2024</a:t>
             </a:fld>
             <a:endParaRPr lang="en-US"/>
           </a:p>
@@ -3799,6 +3813,184 @@
 </p:sld>
 </file>
 
+<file path=ppt/slides/slide17.xml><?xml version="1.0" encoding="utf-8"?>
+<p:sld xmlns:a="http://schemas.openxmlformats.org/drawingml/2006/main" xmlns:r="http://schemas.openxmlformats.org/officeDocument/2006/relationships" xmlns:p="http://schemas.openxmlformats.org/presentationml/2006/main">
+  <p:cSld>
+    <p:spTree>
+      <p:nvGrpSpPr>
+        <p:cNvPr id="1" name=""/>
+        <p:cNvGrpSpPr/>
+        <p:nvPr/>
+      </p:nvGrpSpPr>
+      <p:grpSpPr>
+        <a:xfrm>
+          <a:off x="0" y="0"/>
+          <a:ext cx="0" cy="0"/>
+          <a:chOff x="0" y="0"/>
+          <a:chExt cx="0" cy="0"/>
+        </a:xfrm>
+      </p:grpSpPr>
+      <p:sp>
+        <p:nvSpPr>
+          <p:cNvPr id="2" name="Title 1">
+            <a:extLst>
+              <a:ext uri="{FF2B5EF4-FFF2-40B4-BE49-F238E27FC236}">
+                <a16:creationId xmlns:a16="http://schemas.microsoft.com/office/drawing/2014/main" id="{7516EE0B-38C8-4476-A927-5842EA9DEA50}"/>
+              </a:ext>
+            </a:extLst>
+          </p:cNvPr>
+          <p:cNvSpPr>
+            <a:spLocks noGrp="1"/>
+          </p:cNvSpPr>
+          <p:nvPr>
+            <p:ph type="title"/>
+          </p:nvPr>
+        </p:nvSpPr>
+        <p:spPr/>
+        <p:txBody>
+          <a:bodyPr/>
+          <a:lstStyle/>
+          <a:p>
+            <a:r>
+              <a:rPr lang="en-US" dirty="0"/>
+              <a:t>Comparison Figures</a:t>
+            </a:r>
+          </a:p>
+        </p:txBody>
+      </p:sp>
+    </p:spTree>
+    <p:extLst>
+      <p:ext uri="{BB962C8B-B14F-4D97-AF65-F5344CB8AC3E}">
+        <p14:creationId xmlns:p14="http://schemas.microsoft.com/office/powerpoint/2010/main" val="2448886410"/>
+      </p:ext>
+    </p:extLst>
+  </p:cSld>
+  <p:clrMapOvr>
+    <a:masterClrMapping/>
+  </p:clrMapOvr>
+</p:sld>
+</file>
+
+<file path=ppt/slides/slide18.xml><?xml version="1.0" encoding="utf-8"?>
+<p:sld xmlns:a="http://schemas.openxmlformats.org/drawingml/2006/main" xmlns:r="http://schemas.openxmlformats.org/officeDocument/2006/relationships" xmlns:p="http://schemas.openxmlformats.org/presentationml/2006/main">
+  <p:cSld>
+    <p:spTree>
+      <p:nvGrpSpPr>
+        <p:cNvPr id="1" name=""/>
+        <p:cNvGrpSpPr/>
+        <p:nvPr/>
+      </p:nvGrpSpPr>
+      <p:grpSpPr>
+        <a:xfrm>
+          <a:off x="0" y="0"/>
+          <a:ext cx="0" cy="0"/>
+          <a:chOff x="0" y="0"/>
+          <a:chExt cx="0" cy="0"/>
+        </a:xfrm>
+      </p:grpSpPr>
+      <p:pic>
+        <p:nvPicPr>
+          <p:cNvPr id="2" name="Picture 1">
+            <a:extLst>
+              <a:ext uri="{FF2B5EF4-FFF2-40B4-BE49-F238E27FC236}">
+                <a16:creationId xmlns:a16="http://schemas.microsoft.com/office/drawing/2014/main" id="{6A4D8970-3D9F-4214-A6CC-EAC62EA606AF}"/>
+              </a:ext>
+            </a:extLst>
+          </p:cNvPr>
+          <p:cNvPicPr>
+            <a:picLocks noChangeAspect="1"/>
+          </p:cNvPicPr>
+          <p:nvPr/>
+        </p:nvPicPr>
+        <p:blipFill>
+          <a:blip r:embed="rId2"/>
+          <a:stretch>
+            <a:fillRect/>
+          </a:stretch>
+        </p:blipFill>
+        <p:spPr>
+          <a:xfrm>
+            <a:off x="3216402" y="1150620"/>
+            <a:ext cx="5759196" cy="4556760"/>
+          </a:xfrm>
+          <a:prstGeom prst="rect">
+            <a:avLst/>
+          </a:prstGeom>
+        </p:spPr>
+      </p:pic>
+    </p:spTree>
+    <p:extLst>
+      <p:ext uri="{BB962C8B-B14F-4D97-AF65-F5344CB8AC3E}">
+        <p14:creationId xmlns:p14="http://schemas.microsoft.com/office/powerpoint/2010/main" val="341454184"/>
+      </p:ext>
+    </p:extLst>
+  </p:cSld>
+  <p:clrMapOvr>
+    <a:masterClrMapping/>
+  </p:clrMapOvr>
+</p:sld>
+</file>
+
+<file path=ppt/slides/slide19.xml><?xml version="1.0" encoding="utf-8"?>
+<p:sld xmlns:a="http://schemas.openxmlformats.org/drawingml/2006/main" xmlns:r="http://schemas.openxmlformats.org/officeDocument/2006/relationships" xmlns:p="http://schemas.openxmlformats.org/presentationml/2006/main">
+  <p:cSld>
+    <p:spTree>
+      <p:nvGrpSpPr>
+        <p:cNvPr id="1" name=""/>
+        <p:cNvGrpSpPr/>
+        <p:nvPr/>
+      </p:nvGrpSpPr>
+      <p:grpSpPr>
+        <a:xfrm>
+          <a:off x="0" y="0"/>
+          <a:ext cx="0" cy="0"/>
+          <a:chOff x="0" y="0"/>
+          <a:chExt cx="0" cy="0"/>
+        </a:xfrm>
+      </p:grpSpPr>
+      <p:pic>
+        <p:nvPicPr>
+          <p:cNvPr id="2" name="Picture 1">
+            <a:extLst>
+              <a:ext uri="{FF2B5EF4-FFF2-40B4-BE49-F238E27FC236}">
+                <a16:creationId xmlns:a16="http://schemas.microsoft.com/office/drawing/2014/main" id="{A6F61AA3-FD9F-4568-8E1B-7F4EE6FEDF9C}"/>
+              </a:ext>
+            </a:extLst>
+          </p:cNvPr>
+          <p:cNvPicPr>
+            <a:picLocks noChangeAspect="1"/>
+          </p:cNvPicPr>
+          <p:nvPr/>
+        </p:nvPicPr>
+        <p:blipFill>
+          <a:blip r:embed="rId2"/>
+          <a:stretch>
+            <a:fillRect/>
+          </a:stretch>
+        </p:blipFill>
+        <p:spPr>
+          <a:xfrm>
+            <a:off x="3216402" y="1150620"/>
+            <a:ext cx="5759196" cy="4556760"/>
+          </a:xfrm>
+          <a:prstGeom prst="rect">
+            <a:avLst/>
+          </a:prstGeom>
+        </p:spPr>
+      </p:pic>
+    </p:spTree>
+    <p:extLst>
+      <p:ext uri="{BB962C8B-B14F-4D97-AF65-F5344CB8AC3E}">
+        <p14:creationId xmlns:p14="http://schemas.microsoft.com/office/powerpoint/2010/main" val="2748586507"/>
+      </p:ext>
+    </p:extLst>
+  </p:cSld>
+  <p:clrMapOvr>
+    <a:masterClrMapping/>
+  </p:clrMapOvr>
+</p:sld>
+</file>
+
 <file path=ppt/slides/slide2.xml><?xml version="1.0" encoding="utf-8"?>
 <p:sld xmlns:a="http://schemas.openxmlformats.org/drawingml/2006/main" xmlns:r="http://schemas.openxmlformats.org/officeDocument/2006/relationships" xmlns:p="http://schemas.openxmlformats.org/presentationml/2006/main">
   <p:cSld>
@@ -3850,6 +4042,364 @@
     <p:extLst>
       <p:ext uri="{BB962C8B-B14F-4D97-AF65-F5344CB8AC3E}">
         <p14:creationId xmlns:p14="http://schemas.microsoft.com/office/powerpoint/2010/main" val="1825412893"/>
+      </p:ext>
+    </p:extLst>
+  </p:cSld>
+  <p:clrMapOvr>
+    <a:masterClrMapping/>
+  </p:clrMapOvr>
+</p:sld>
+</file>
+
+<file path=ppt/slides/slide20.xml><?xml version="1.0" encoding="utf-8"?>
+<p:sld xmlns:a="http://schemas.openxmlformats.org/drawingml/2006/main" xmlns:r="http://schemas.openxmlformats.org/officeDocument/2006/relationships" xmlns:p="http://schemas.openxmlformats.org/presentationml/2006/main">
+  <p:cSld>
+    <p:spTree>
+      <p:nvGrpSpPr>
+        <p:cNvPr id="1" name=""/>
+        <p:cNvGrpSpPr/>
+        <p:nvPr/>
+      </p:nvGrpSpPr>
+      <p:grpSpPr>
+        <a:xfrm>
+          <a:off x="0" y="0"/>
+          <a:ext cx="0" cy="0"/>
+          <a:chOff x="0" y="0"/>
+          <a:chExt cx="0" cy="0"/>
+        </a:xfrm>
+      </p:grpSpPr>
+      <p:pic>
+        <p:nvPicPr>
+          <p:cNvPr id="2" name="Picture 1">
+            <a:extLst>
+              <a:ext uri="{FF2B5EF4-FFF2-40B4-BE49-F238E27FC236}">
+                <a16:creationId xmlns:a16="http://schemas.microsoft.com/office/drawing/2014/main" id="{C6D84D50-B01E-442F-9F19-BAD3C8276384}"/>
+              </a:ext>
+            </a:extLst>
+          </p:cNvPr>
+          <p:cNvPicPr>
+            <a:picLocks noChangeAspect="1"/>
+          </p:cNvPicPr>
+          <p:nvPr/>
+        </p:nvPicPr>
+        <p:blipFill>
+          <a:blip r:embed="rId2"/>
+          <a:stretch>
+            <a:fillRect/>
+          </a:stretch>
+        </p:blipFill>
+        <p:spPr>
+          <a:xfrm>
+            <a:off x="3216402" y="1150620"/>
+            <a:ext cx="5759196" cy="4556760"/>
+          </a:xfrm>
+          <a:prstGeom prst="rect">
+            <a:avLst/>
+          </a:prstGeom>
+        </p:spPr>
+      </p:pic>
+    </p:spTree>
+    <p:extLst>
+      <p:ext uri="{BB962C8B-B14F-4D97-AF65-F5344CB8AC3E}">
+        <p14:creationId xmlns:p14="http://schemas.microsoft.com/office/powerpoint/2010/main" val="26921579"/>
+      </p:ext>
+    </p:extLst>
+  </p:cSld>
+  <p:clrMapOvr>
+    <a:masterClrMapping/>
+  </p:clrMapOvr>
+</p:sld>
+</file>
+
+<file path=ppt/slides/slide21.xml><?xml version="1.0" encoding="utf-8"?>
+<p:sld xmlns:a="http://schemas.openxmlformats.org/drawingml/2006/main" xmlns:r="http://schemas.openxmlformats.org/officeDocument/2006/relationships" xmlns:p="http://schemas.openxmlformats.org/presentationml/2006/main">
+  <p:cSld>
+    <p:spTree>
+      <p:nvGrpSpPr>
+        <p:cNvPr id="1" name=""/>
+        <p:cNvGrpSpPr/>
+        <p:nvPr/>
+      </p:nvGrpSpPr>
+      <p:grpSpPr>
+        <a:xfrm>
+          <a:off x="0" y="0"/>
+          <a:ext cx="0" cy="0"/>
+          <a:chOff x="0" y="0"/>
+          <a:chExt cx="0" cy="0"/>
+        </a:xfrm>
+      </p:grpSpPr>
+      <p:sp>
+        <p:nvSpPr>
+          <p:cNvPr id="2" name="Title 1">
+            <a:extLst>
+              <a:ext uri="{FF2B5EF4-FFF2-40B4-BE49-F238E27FC236}">
+                <a16:creationId xmlns:a16="http://schemas.microsoft.com/office/drawing/2014/main" id="{7516EE0B-38C8-4476-A927-5842EA9DEA50}"/>
+              </a:ext>
+            </a:extLst>
+          </p:cNvPr>
+          <p:cNvSpPr>
+            <a:spLocks noGrp="1"/>
+          </p:cNvSpPr>
+          <p:nvPr>
+            <p:ph type="title"/>
+          </p:nvPr>
+        </p:nvSpPr>
+        <p:spPr/>
+        <p:txBody>
+          <a:bodyPr/>
+          <a:lstStyle/>
+          <a:p>
+            <a:r>
+              <a:rPr lang="en-US" dirty="0"/>
+              <a:t>Catch-Release Figures</a:t>
+            </a:r>
+          </a:p>
+        </p:txBody>
+      </p:sp>
+    </p:spTree>
+    <p:extLst>
+      <p:ext uri="{BB962C8B-B14F-4D97-AF65-F5344CB8AC3E}">
+        <p14:creationId xmlns:p14="http://schemas.microsoft.com/office/powerpoint/2010/main" val="2581672898"/>
+      </p:ext>
+    </p:extLst>
+  </p:cSld>
+  <p:clrMapOvr>
+    <a:masterClrMapping/>
+  </p:clrMapOvr>
+</p:sld>
+</file>
+
+<file path=ppt/slides/slide22.xml><?xml version="1.0" encoding="utf-8"?>
+<p:sld xmlns:a="http://schemas.openxmlformats.org/drawingml/2006/main" xmlns:r="http://schemas.openxmlformats.org/officeDocument/2006/relationships" xmlns:p="http://schemas.openxmlformats.org/presentationml/2006/main">
+  <p:cSld>
+    <p:spTree>
+      <p:nvGrpSpPr>
+        <p:cNvPr id="1" name=""/>
+        <p:cNvGrpSpPr/>
+        <p:nvPr/>
+      </p:nvGrpSpPr>
+      <p:grpSpPr>
+        <a:xfrm>
+          <a:off x="0" y="0"/>
+          <a:ext cx="0" cy="0"/>
+          <a:chOff x="0" y="0"/>
+          <a:chExt cx="0" cy="0"/>
+        </a:xfrm>
+      </p:grpSpPr>
+      <p:pic>
+        <p:nvPicPr>
+          <p:cNvPr id="2" name="Picture 1">
+            <a:extLst>
+              <a:ext uri="{FF2B5EF4-FFF2-40B4-BE49-F238E27FC236}">
+                <a16:creationId xmlns:a16="http://schemas.microsoft.com/office/drawing/2014/main" id="{927E8EED-20D8-45E1-A376-920029915931}"/>
+              </a:ext>
+            </a:extLst>
+          </p:cNvPr>
+          <p:cNvPicPr>
+            <a:picLocks noChangeAspect="1"/>
+          </p:cNvPicPr>
+          <p:nvPr/>
+        </p:nvPicPr>
+        <p:blipFill>
+          <a:blip r:embed="rId2"/>
+          <a:stretch>
+            <a:fillRect/>
+          </a:stretch>
+        </p:blipFill>
+        <p:spPr>
+          <a:xfrm>
+            <a:off x="3131820" y="1175766"/>
+            <a:ext cx="5928360" cy="4506468"/>
+          </a:xfrm>
+          <a:prstGeom prst="rect">
+            <a:avLst/>
+          </a:prstGeom>
+        </p:spPr>
+      </p:pic>
+    </p:spTree>
+    <p:extLst>
+      <p:ext uri="{BB962C8B-B14F-4D97-AF65-F5344CB8AC3E}">
+        <p14:creationId xmlns:p14="http://schemas.microsoft.com/office/powerpoint/2010/main" val="2682967197"/>
+      </p:ext>
+    </p:extLst>
+  </p:cSld>
+  <p:clrMapOvr>
+    <a:masterClrMapping/>
+  </p:clrMapOvr>
+</p:sld>
+</file>
+
+<file path=ppt/slides/slide23.xml><?xml version="1.0" encoding="utf-8"?>
+<p:sld xmlns:a="http://schemas.openxmlformats.org/drawingml/2006/main" xmlns:r="http://schemas.openxmlformats.org/officeDocument/2006/relationships" xmlns:p="http://schemas.openxmlformats.org/presentationml/2006/main">
+  <p:cSld>
+    <p:spTree>
+      <p:nvGrpSpPr>
+        <p:cNvPr id="1" name=""/>
+        <p:cNvGrpSpPr/>
+        <p:nvPr/>
+      </p:nvGrpSpPr>
+      <p:grpSpPr>
+        <a:xfrm>
+          <a:off x="0" y="0"/>
+          <a:ext cx="0" cy="0"/>
+          <a:chOff x="0" y="0"/>
+          <a:chExt cx="0" cy="0"/>
+        </a:xfrm>
+      </p:grpSpPr>
+      <p:pic>
+        <p:nvPicPr>
+          <p:cNvPr id="2" name="Picture 1">
+            <a:extLst>
+              <a:ext uri="{FF2B5EF4-FFF2-40B4-BE49-F238E27FC236}">
+                <a16:creationId xmlns:a16="http://schemas.microsoft.com/office/drawing/2014/main" id="{82F2360D-5903-4143-ADFD-178D0E7925A6}"/>
+              </a:ext>
+            </a:extLst>
+          </p:cNvPr>
+          <p:cNvPicPr>
+            <a:picLocks noChangeAspect="1"/>
+          </p:cNvPicPr>
+          <p:nvPr/>
+        </p:nvPicPr>
+        <p:blipFill>
+          <a:blip r:embed="rId2"/>
+          <a:stretch>
+            <a:fillRect/>
+          </a:stretch>
+        </p:blipFill>
+        <p:spPr>
+          <a:xfrm>
+            <a:off x="3131820" y="1161288"/>
+            <a:ext cx="5928360" cy="4535424"/>
+          </a:xfrm>
+          <a:prstGeom prst="rect">
+            <a:avLst/>
+          </a:prstGeom>
+        </p:spPr>
+      </p:pic>
+    </p:spTree>
+    <p:extLst>
+      <p:ext uri="{BB962C8B-B14F-4D97-AF65-F5344CB8AC3E}">
+        <p14:creationId xmlns:p14="http://schemas.microsoft.com/office/powerpoint/2010/main" val="4086630465"/>
+      </p:ext>
+    </p:extLst>
+  </p:cSld>
+  <p:clrMapOvr>
+    <a:masterClrMapping/>
+  </p:clrMapOvr>
+</p:sld>
+</file>
+
+<file path=ppt/slides/slide24.xml><?xml version="1.0" encoding="utf-8"?>
+<p:sld xmlns:a="http://schemas.openxmlformats.org/drawingml/2006/main" xmlns:r="http://schemas.openxmlformats.org/officeDocument/2006/relationships" xmlns:p="http://schemas.openxmlformats.org/presentationml/2006/main">
+  <p:cSld>
+    <p:spTree>
+      <p:nvGrpSpPr>
+        <p:cNvPr id="1" name=""/>
+        <p:cNvGrpSpPr/>
+        <p:nvPr/>
+      </p:nvGrpSpPr>
+      <p:grpSpPr>
+        <a:xfrm>
+          <a:off x="0" y="0"/>
+          <a:ext cx="0" cy="0"/>
+          <a:chOff x="0" y="0"/>
+          <a:chExt cx="0" cy="0"/>
+        </a:xfrm>
+      </p:grpSpPr>
+      <p:pic>
+        <p:nvPicPr>
+          <p:cNvPr id="2" name="Picture 1">
+            <a:extLst>
+              <a:ext uri="{FF2B5EF4-FFF2-40B4-BE49-F238E27FC236}">
+                <a16:creationId xmlns:a16="http://schemas.microsoft.com/office/drawing/2014/main" id="{855E565F-E3C2-41B1-8AF4-9A6801B0532F}"/>
+              </a:ext>
+            </a:extLst>
+          </p:cNvPr>
+          <p:cNvPicPr>
+            <a:picLocks noChangeAspect="1"/>
+          </p:cNvPicPr>
+          <p:nvPr/>
+        </p:nvPicPr>
+        <p:blipFill>
+          <a:blip r:embed="rId2"/>
+          <a:stretch>
+            <a:fillRect/>
+          </a:stretch>
+        </p:blipFill>
+        <p:spPr>
+          <a:xfrm>
+            <a:off x="3131820" y="1175766"/>
+            <a:ext cx="5928360" cy="4506468"/>
+          </a:xfrm>
+          <a:prstGeom prst="rect">
+            <a:avLst/>
+          </a:prstGeom>
+        </p:spPr>
+      </p:pic>
+    </p:spTree>
+    <p:extLst>
+      <p:ext uri="{BB962C8B-B14F-4D97-AF65-F5344CB8AC3E}">
+        <p14:creationId xmlns:p14="http://schemas.microsoft.com/office/powerpoint/2010/main" val="259594771"/>
+      </p:ext>
+    </p:extLst>
+  </p:cSld>
+  <p:clrMapOvr>
+    <a:masterClrMapping/>
+  </p:clrMapOvr>
+</p:sld>
+</file>
+
+<file path=ppt/slides/slide25.xml><?xml version="1.0" encoding="utf-8"?>
+<p:sld xmlns:a="http://schemas.openxmlformats.org/drawingml/2006/main" xmlns:r="http://schemas.openxmlformats.org/officeDocument/2006/relationships" xmlns:p="http://schemas.openxmlformats.org/presentationml/2006/main">
+  <p:cSld>
+    <p:spTree>
+      <p:nvGrpSpPr>
+        <p:cNvPr id="1" name=""/>
+        <p:cNvGrpSpPr/>
+        <p:nvPr/>
+      </p:nvGrpSpPr>
+      <p:grpSpPr>
+        <a:xfrm>
+          <a:off x="0" y="0"/>
+          <a:ext cx="0" cy="0"/>
+          <a:chOff x="0" y="0"/>
+          <a:chExt cx="0" cy="0"/>
+        </a:xfrm>
+      </p:grpSpPr>
+      <p:pic>
+        <p:nvPicPr>
+          <p:cNvPr id="2" name="Picture 1">
+            <a:extLst>
+              <a:ext uri="{FF2B5EF4-FFF2-40B4-BE49-F238E27FC236}">
+                <a16:creationId xmlns:a16="http://schemas.microsoft.com/office/drawing/2014/main" id="{961623A0-0207-473C-9CD9-58B75B87705D}"/>
+              </a:ext>
+            </a:extLst>
+          </p:cNvPr>
+          <p:cNvPicPr>
+            <a:picLocks noChangeAspect="1"/>
+          </p:cNvPicPr>
+          <p:nvPr/>
+        </p:nvPicPr>
+        <p:blipFill>
+          <a:blip r:embed="rId2"/>
+          <a:stretch>
+            <a:fillRect/>
+          </a:stretch>
+        </p:blipFill>
+        <p:spPr>
+          <a:xfrm>
+            <a:off x="3131820" y="1161288"/>
+            <a:ext cx="5928360" cy="4535424"/>
+          </a:xfrm>
+          <a:prstGeom prst="rect">
+            <a:avLst/>
+          </a:prstGeom>
+        </p:spPr>
+      </p:pic>
+    </p:spTree>
+    <p:extLst>
+      <p:ext uri="{BB962C8B-B14F-4D97-AF65-F5344CB8AC3E}">
+        <p14:creationId xmlns:p14="http://schemas.microsoft.com/office/powerpoint/2010/main" val="43978004"/>
       </p:ext>
     </p:extLst>
   </p:cSld>
